--- a/INT166.pptx
+++ b/INT166.pptx
@@ -566,8 +566,16 @@
               <a:buAutoNum type="arabicPeriod"/>
             </a:pPr>
             <a:r>
-              <a:rPr lang="en-US"/>
-              <a:t>Greet the participants and thank them for their interest in the topic</a:t>
+              <a:rPr lang="en-US" dirty="0"/>
+              <a:t>Hello everyone, I am happy to greet you here at the online SAP </a:t>
+            </a:r>
+            <a:r>
+              <a:rPr lang="en-US" dirty="0" err="1"/>
+              <a:t>TechED</a:t>
+            </a:r>
+            <a:r>
+              <a:rPr lang="en-US" dirty="0"/>
+              <a:t> 2020 business documents processing workshop. I would like to thank you for your interest in this topic and the time that you took to participate in this workshop. Before we get going I would like to present ourselves.</a:t>
             </a:r>
           </a:p>
           <a:p>
@@ -575,7 +583,7 @@
               <a:buAutoNum type="arabicPeriod"/>
             </a:pPr>
             <a:r>
-              <a:rPr lang="en-US"/>
+              <a:rPr lang="en-US" dirty="0"/>
               <a:t>Present ourselves</a:t>
             </a:r>
           </a:p>
@@ -693,7 +701,7 @@
           </a:bodyPr>
           <a:lstStyle/>
           <a:p>
-            <a:endParaRPr lang="en-US"/>
+            <a:endParaRPr lang="en-US" dirty="0"/>
           </a:p>
         </p:txBody>
       </p:sp>
@@ -844,7 +852,7 @@
             </a:pPr>
             <a:r>
               <a:rPr lang="en-US" dirty="0"/>
-              <a:t>We will provide you with a short introduction to SAP Business Document Processing services and briefly explain what can be done with SAP DC and SAP DOX services</a:t>
+              <a:t>First of all I am going to give you a short introduction to SAP Business Document Processing services and briefly explain what can be done with SAP DC and SAP DOX services</a:t>
             </a:r>
           </a:p>
           <a:p>
@@ -853,7 +861,7 @@
             </a:pPr>
             <a:r>
               <a:rPr lang="en-US" dirty="0"/>
-              <a:t>We will guide you through the process of creating a SAP CP Trial account and set-up DC service instance to be able to use these services </a:t>
+              <a:t>Than we will together create a SAP CP Trial account and set-up DC service instance to be able to use this service</a:t>
             </a:r>
           </a:p>
           <a:p>
@@ -862,7 +870,7 @@
             </a:pPr>
             <a:r>
               <a:rPr lang="en-US" dirty="0"/>
-              <a:t>We will show you how DC service can be used to classify business documents and how the classification results can be analyzed</a:t>
+              <a:t>After we have the DC service at hand Manuel will show you how DC service can be used to classify business documents and how the classification results can be analyzed</a:t>
             </a:r>
           </a:p>
           <a:p>
@@ -871,7 +879,7 @@
             </a:pPr>
             <a:r>
               <a:rPr lang="en-US" dirty="0"/>
-              <a:t>We will show you how DOX service and its UI and REST API can be used for information extraction and validation of the results</a:t>
+              <a:t>After we have successfully classified the documents with DC service, we will proceed and Piyush show you how to use DOX service via its UI and REST API to extract information and validate the extraction results</a:t>
             </a:r>
           </a:p>
           <a:p>
@@ -880,7 +888,7 @@
             </a:pPr>
             <a:r>
               <a:rPr lang="en-US" dirty="0"/>
-              <a:t>We will demonstrate how SAP DOX supplier data matching feature can help you automate processing of your business documents even further</a:t>
+              <a:t>Piyush will also demonstrate how SAP DOX supplier data matching feature can help you automate processing of your business documents even further</a:t>
             </a:r>
           </a:p>
           <a:p>
@@ -1074,8 +1082,8 @@
           <a:lstStyle/>
           <a:p>
             <a:r>
-              <a:rPr lang="en-US"/>
-              <a:t>BDP consists from multiple services, we will focus on Document Classification and Document Information Extraction (aka DOX) in this workshop</a:t>
+              <a:rPr lang="en-US" dirty="0"/>
+              <a:t>BDP consists from multiple services, we will focus on Document Classification and Document Information Extraction in this workshop</a:t>
             </a:r>
           </a:p>
         </p:txBody>
@@ -1252,7 +1260,7 @@
           <a:p>
             <a:r>
               <a:rPr lang="en-US" dirty="0"/>
-              <a:t>After integration of Document Classification service, Bob knows the document type in advance and can start processing every document directly. This saves Bob a lot of time and increases his productivity. </a:t>
+              <a:t>After integration of Document Classification service, Bob knows the document type in advance and can start processing every document directly. Now Bob only needs to process the documents that are relevant for him and other documents are automatically forwarded to other employees. This saves Bob a lot of time and increases his productivity.</a:t>
             </a:r>
             <a:endParaRPr lang="de-DE" dirty="0"/>
           </a:p>
@@ -1643,7 +1651,9 @@
         </p:nvSpPr>
         <p:spPr/>
         <p:txBody>
-          <a:bodyPr/>
+          <a:bodyPr>
+            <a:normAutofit fontScale="92500"/>
+          </a:bodyPr>
           <a:lstStyle/>
           <a:p>
             <a:pPr marL="342900" indent="-342900">
@@ -1694,7 +1704,73 @@
             <a:pPr marL="342900" indent="-342900">
               <a:buAutoNum type="arabicPeriod"/>
             </a:pPr>
-            <a:endParaRPr lang="de-DE" dirty="0"/>
+            <a:endParaRPr lang="en-US" dirty="0"/>
+          </a:p>
+          <a:p>
+            <a:pPr marL="0" indent="0">
+              <a:buNone/>
+            </a:pPr>
+            <a:r>
+              <a:rPr lang="en-US" dirty="0"/>
+              <a:t>Please use EU trial landscape:</a:t>
+            </a:r>
+          </a:p>
+          <a:p>
+            <a:pPr marL="0" indent="0">
+              <a:buNone/>
+            </a:pPr>
+            <a:endParaRPr lang="en-US" dirty="0"/>
+          </a:p>
+          <a:p>
+            <a:pPr marL="0" indent="0">
+              <a:buNone/>
+            </a:pPr>
+            <a:r>
+              <a:rPr lang="en-US" dirty="0"/>
+              <a:t>Please use the following link to get to SAP CP Trial account creation page: </a:t>
+            </a:r>
+          </a:p>
+          <a:p>
+            <a:pPr marL="0" indent="0">
+              <a:buNone/>
+            </a:pPr>
+            <a:endParaRPr lang="en-US" dirty="0"/>
+          </a:p>
+          <a:p>
+            <a:pPr marL="0" indent="0">
+              <a:buNone/>
+            </a:pPr>
+            <a:r>
+              <a:rPr lang="en-US" dirty="0"/>
+              <a:t>https://www.sap.com/cmp/td/sap-cloud-platform-trial.html</a:t>
+            </a:r>
+          </a:p>
+          <a:p>
+            <a:pPr marL="0" indent="0">
+              <a:buNone/>
+            </a:pPr>
+            <a:r>
+              <a:rPr lang="en-US" dirty="0"/>
+              <a:t>https://cockpit.eu10.hana.ondemand.com/trial/#/home/trial</a:t>
+            </a:r>
+          </a:p>
+          <a:p>
+            <a:pPr marL="0" indent="0">
+              <a:buNone/>
+            </a:pPr>
+            <a:r>
+              <a:rPr lang="en-US" dirty="0"/>
+              <a:t>https://developers.sap.com/tutorials/hcp-create-trial-account.html</a:t>
+            </a:r>
+          </a:p>
+          <a:p>
+            <a:pPr marL="0" indent="0">
+              <a:buNone/>
+            </a:pPr>
+            <a:r>
+              <a:rPr lang="en-US" dirty="0"/>
+              <a:t>https://github.com/SAP-samples/teched2020-INT166</a:t>
+            </a:r>
           </a:p>
         </p:txBody>
       </p:sp>
@@ -17928,7 +18004,7 @@
               <a:buSzPct val="80000"/>
             </a:pPr>
             <a:r>
-              <a:rPr lang="en-US" sz="1600" b="1" kern="0">
+              <a:rPr lang="en-US" sz="1600" b="1" kern="0" dirty="0">
                 <a:solidFill>
                   <a:schemeClr val="bg1"/>
                 </a:solidFill>
@@ -17937,7 +18013,7 @@
               <a:t>SAP AI Business Services</a:t>
             </a:r>
             <a:br>
-              <a:rPr lang="en-US" sz="1800" b="1" kern="0">
+              <a:rPr lang="en-US" sz="1800" b="1" kern="0" dirty="0">
                 <a:solidFill>
                   <a:schemeClr val="bg1"/>
                 </a:solidFill>
@@ -17945,13 +18021,13 @@
               </a:rPr>
             </a:br>
             <a:r>
-              <a:rPr lang="en-US" sz="2400" b="1" kern="0">
+              <a:rPr lang="en-US" sz="2400" b="1" kern="0" dirty="0">
                 <a:solidFill>
                   <a:schemeClr val="bg1"/>
                 </a:solidFill>
                 <a:ea typeface="Arial Unicode MS" pitchFamily="34" charset="-128"/>
               </a:rPr>
-              <a:t>Business document processing</a:t>
+              <a:t>Business Document Processing</a:t>
             </a:r>
           </a:p>
         </p:txBody>
@@ -20657,7 +20733,7 @@
           <a:graphicData uri="http://schemas.openxmlformats.org/presentationml/2006/ole">
             <mc:AlternateContent xmlns:mc="http://schemas.openxmlformats.org/markup-compatibility/2006">
               <mc:Choice xmlns:v="urn:schemas-microsoft-com:vml" Requires="v">
-                <p:oleObj spid="_x0000_s1027" name="think-cell Slide" r:id="rId5" imgW="352" imgH="353" progId="TCLayout.ActiveDocument.1">
+                <p:oleObj spid="_x0000_s1037" name="think-cell Slide" r:id="rId5" imgW="352" imgH="353" progId="TCLayout.ActiveDocument.1">
                   <p:embed/>
                 </p:oleObj>
               </mc:Choice>
@@ -20810,9 +20886,13 @@
           <a:p>
             <a:r>
               <a:rPr lang="en-US"/>
-              <a:t>Business document processing portfolio</a:t>
-            </a:r>
-            <a:endParaRPr lang="de-DE"/>
+              <a:t>SAP Business </a:t>
+            </a:r>
+            <a:r>
+              <a:rPr lang="en-US" dirty="0"/>
+              <a:t>Document Processing portfolio</a:t>
+            </a:r>
+            <a:endParaRPr lang="de-DE" dirty="0"/>
           </a:p>
         </p:txBody>
       </p:sp>
@@ -34219,7 +34299,7 @@
 </file>
 
 <file path=ppt/slides/slide9.xml><?xml version="1.0" encoding="utf-8"?>
-<p:sld xmlns:a="http://schemas.openxmlformats.org/drawingml/2006/main" xmlns:r="http://schemas.openxmlformats.org/officeDocument/2006/relationships" xmlns:p="http://schemas.openxmlformats.org/presentationml/2006/main">
+<p:sld xmlns:a="http://schemas.openxmlformats.org/drawingml/2006/main" xmlns:r="http://schemas.openxmlformats.org/officeDocument/2006/relationships" xmlns:p="http://schemas.openxmlformats.org/presentationml/2006/main" show="0">
   <p:cSld>
     <p:spTree>
       <p:nvGrpSpPr>
@@ -34309,7 +34389,7 @@
               <a:defRPr/>
             </a:pPr>
             <a:r>
-              <a:rPr kumimoji="0" lang="de-DE" sz="2400" b="0" i="0" u="none" strike="noStrike" kern="1200" cap="none" spc="0" normalizeH="0" baseline="0" noProof="0" err="1">
+              <a:rPr kumimoji="0" lang="de-DE" sz="2400" b="0" i="0" u="none" strike="noStrike" kern="1200" cap="none" spc="0" normalizeH="0" baseline="0" noProof="0" dirty="0" err="1">
                 <a:ln>
                   <a:noFill/>
                 </a:ln>
@@ -34326,7 +34406,7 @@
               <a:t>Introduction</a:t>
             </a:r>
             <a:r>
-              <a:rPr kumimoji="0" lang="de-DE" sz="2400" b="0" i="0" u="none" strike="noStrike" kern="1200" cap="none" spc="0" normalizeH="0" baseline="0" noProof="0">
+              <a:rPr kumimoji="0" lang="de-DE" sz="2400" b="0" i="0" u="none" strike="noStrike" kern="1200" cap="none" spc="0" normalizeH="0" baseline="0" noProof="0" dirty="0">
                 <a:ln>
                   <a:noFill/>
                 </a:ln>
@@ -34343,7 +34423,7 @@
               <a:t> </a:t>
             </a:r>
             <a:r>
-              <a:rPr kumimoji="0" lang="de-DE" sz="2400" b="0" i="0" u="none" strike="noStrike" kern="1200" cap="none" spc="0" normalizeH="0" baseline="0" noProof="0" err="1">
+              <a:rPr kumimoji="0" lang="de-DE" sz="2400" b="0" i="0" u="none" strike="noStrike" kern="1200" cap="none" spc="0" normalizeH="0" baseline="0" noProof="0" dirty="0" err="1">
                 <a:ln>
                   <a:noFill/>
                 </a:ln>
@@ -34360,7 +34440,7 @@
               <a:t>to</a:t>
             </a:r>
             <a:r>
-              <a:rPr kumimoji="0" lang="de-DE" sz="2400" b="0" i="0" u="none" strike="noStrike" kern="1200" cap="none" spc="0" normalizeH="0" baseline="0" noProof="0">
+              <a:rPr kumimoji="0" lang="de-DE" sz="2400" b="0" i="0" u="none" strike="noStrike" kern="1200" cap="none" spc="0" normalizeH="0" baseline="0" noProof="0" dirty="0">
                 <a:ln>
                   <a:noFill/>
                 </a:ln>
@@ -34377,7 +34457,7 @@
               <a:t> SAP </a:t>
             </a:r>
             <a:r>
-              <a:rPr kumimoji="0" lang="de-DE" sz="2400" b="0" i="0" u="none" strike="noStrike" kern="1200" cap="none" spc="0" normalizeH="0" baseline="0" noProof="0" err="1">
+              <a:rPr kumimoji="0" lang="de-DE" sz="2400" b="0" i="0" u="none" strike="noStrike" kern="1200" cap="none" spc="0" normalizeH="0" baseline="0" noProof="0" dirty="0" err="1">
                 <a:ln>
                   <a:noFill/>
                 </a:ln>
@@ -34394,7 +34474,7 @@
               <a:t>Bussines</a:t>
             </a:r>
             <a:r>
-              <a:rPr kumimoji="0" lang="de-DE" sz="2400" b="0" i="0" u="none" strike="noStrike" kern="1200" cap="none" spc="0" normalizeH="0" baseline="0" noProof="0">
+              <a:rPr kumimoji="0" lang="de-DE" sz="2400" b="0" i="0" u="none" strike="noStrike" kern="1200" cap="none" spc="0" normalizeH="0" baseline="0" noProof="0" dirty="0">
                 <a:ln>
                   <a:noFill/>
                 </a:ln>
@@ -34411,7 +34491,7 @@
               <a:t> </a:t>
             </a:r>
             <a:r>
-              <a:rPr kumimoji="0" lang="de-DE" sz="2400" b="0" i="0" u="none" strike="noStrike" kern="1200" cap="none" spc="0" normalizeH="0" baseline="0" noProof="0" err="1">
+              <a:rPr kumimoji="0" lang="de-DE" sz="2400" b="0" i="0" u="none" strike="noStrike" kern="1200" cap="none" spc="0" normalizeH="0" baseline="0" noProof="0" dirty="0" err="1">
                 <a:ln>
                   <a:noFill/>
                 </a:ln>
@@ -34428,7 +34508,7 @@
               <a:t>Documents</a:t>
             </a:r>
             <a:r>
-              <a:rPr kumimoji="0" lang="de-DE" sz="2400" b="0" i="0" u="none" strike="noStrike" kern="1200" cap="none" spc="0" normalizeH="0" baseline="0" noProof="0">
+              <a:rPr kumimoji="0" lang="de-DE" sz="2400" b="0" i="0" u="none" strike="noStrike" kern="1200" cap="none" spc="0" normalizeH="0" baseline="0" noProof="0" dirty="0">
                 <a:ln>
                   <a:noFill/>
                 </a:ln>
@@ -34464,7 +34544,7 @@
               <a:defRPr/>
             </a:pPr>
             <a:r>
-              <a:rPr kumimoji="0" lang="de-DE" sz="2400" b="0" i="0" u="none" strike="noStrike" kern="1200" cap="none" spc="0" normalizeH="0" baseline="0" noProof="0" err="1">
+              <a:rPr kumimoji="0" lang="de-DE" sz="2400" b="0" i="0" u="none" strike="noStrike" kern="1200" cap="none" spc="0" normalizeH="0" baseline="0" noProof="0" dirty="0" err="1">
                 <a:ln>
                   <a:noFill/>
                 </a:ln>
@@ -34481,7 +34561,7 @@
               <a:t>Get</a:t>
             </a:r>
             <a:r>
-              <a:rPr kumimoji="0" lang="de-DE" sz="2400" b="0" i="0" u="none" strike="noStrike" kern="1200" cap="none" spc="0" normalizeH="0" baseline="0" noProof="0">
+              <a:rPr kumimoji="0" lang="de-DE" sz="2400" b="0" i="0" u="none" strike="noStrike" kern="1200" cap="none" spc="0" normalizeH="0" baseline="0" noProof="0" dirty="0">
                 <a:ln>
                   <a:noFill/>
                 </a:ln>
@@ -34498,7 +34578,7 @@
               <a:t> a SAP Cloud </a:t>
             </a:r>
             <a:r>
-              <a:rPr kumimoji="0" lang="de-DE" sz="2400" b="0" i="0" u="none" strike="noStrike" kern="1200" cap="none" spc="0" normalizeH="0" baseline="0" noProof="0" err="1">
+              <a:rPr kumimoji="0" lang="de-DE" sz="2400" b="0" i="0" u="none" strike="noStrike" kern="1200" cap="none" spc="0" normalizeH="0" baseline="0" noProof="0" dirty="0" err="1">
                 <a:ln>
                   <a:noFill/>
                 </a:ln>
@@ -34515,7 +34595,7 @@
               <a:t>Platform</a:t>
             </a:r>
             <a:r>
-              <a:rPr kumimoji="0" lang="de-DE" sz="2400" b="0" i="0" u="none" strike="noStrike" kern="1200" cap="none" spc="0" normalizeH="0" baseline="0" noProof="0">
+              <a:rPr kumimoji="0" lang="de-DE" sz="2400" b="0" i="0" u="none" strike="noStrike" kern="1200" cap="none" spc="0" normalizeH="0" baseline="0" noProof="0" dirty="0">
                 <a:ln>
                   <a:noFill/>
                 </a:ln>
@@ -34532,7 +34612,7 @@
               <a:t> </a:t>
             </a:r>
             <a:r>
-              <a:rPr kumimoji="0" lang="de-DE" sz="2400" b="0" i="0" u="none" strike="noStrike" kern="1200" cap="none" spc="0" normalizeH="0" baseline="0" noProof="0" err="1">
+              <a:rPr kumimoji="0" lang="de-DE" sz="2400" b="0" i="0" u="none" strike="noStrike" kern="1200" cap="none" spc="0" normalizeH="0" baseline="0" noProof="0" dirty="0" err="1">
                 <a:ln>
                   <a:noFill/>
                 </a:ln>
@@ -34549,7 +34629,7 @@
               <a:t>trial</a:t>
             </a:r>
             <a:r>
-              <a:rPr kumimoji="0" lang="de-DE" sz="2400" b="0" i="0" u="none" strike="noStrike" kern="1200" cap="none" spc="0" normalizeH="0" baseline="0" noProof="0">
+              <a:rPr kumimoji="0" lang="de-DE" sz="2400" b="0" i="0" u="none" strike="noStrike" kern="1200" cap="none" spc="0" normalizeH="0" baseline="0" noProof="0" dirty="0">
                 <a:ln>
                   <a:noFill/>
                 </a:ln>
@@ -34566,7 +34646,7 @@
               <a:t> </a:t>
             </a:r>
             <a:r>
-              <a:rPr kumimoji="0" lang="de-DE" sz="2400" b="0" i="0" u="none" strike="noStrike" kern="1200" cap="none" spc="0" normalizeH="0" baseline="0" noProof="0" err="1">
+              <a:rPr kumimoji="0" lang="de-DE" sz="2400" b="0" i="0" u="none" strike="noStrike" kern="1200" cap="none" spc="0" normalizeH="0" baseline="0" noProof="0" dirty="0" err="1">
                 <a:ln>
                   <a:noFill/>
                 </a:ln>
@@ -34582,7 +34662,7 @@
               </a:rPr>
               <a:t>account</a:t>
             </a:r>
-            <a:endParaRPr kumimoji="0" lang="de-DE" sz="2400" b="0" i="0" u="none" strike="noStrike" kern="1200" cap="none" spc="0" normalizeH="0" baseline="0" noProof="0">
+            <a:endParaRPr kumimoji="0" lang="de-DE" sz="2400" b="0" i="0" u="none" strike="noStrike" kern="1200" cap="none" spc="0" normalizeH="0" baseline="0" noProof="0" dirty="0">
               <a:ln>
                 <a:noFill/>
               </a:ln>
@@ -34616,7 +34696,7 @@
               <a:defRPr/>
             </a:pPr>
             <a:r>
-              <a:rPr kumimoji="0" lang="de-DE" sz="2400" b="0" i="0" u="none" strike="noStrike" kern="1200" cap="none" spc="0" normalizeH="0" baseline="0" noProof="0" err="1">
+              <a:rPr kumimoji="0" lang="de-DE" sz="2400" b="0" i="0" u="none" strike="noStrike" kern="1200" cap="none" spc="0" normalizeH="0" baseline="0" noProof="0" dirty="0" err="1">
                 <a:ln>
                   <a:noFill/>
                 </a:ln>
@@ -34633,7 +34713,7 @@
               <a:t>Document</a:t>
             </a:r>
             <a:r>
-              <a:rPr kumimoji="0" lang="de-DE" sz="2400" b="0" i="0" u="none" strike="noStrike" kern="1200" cap="none" spc="0" normalizeH="0" baseline="0" noProof="0">
+              <a:rPr kumimoji="0" lang="de-DE" sz="2400" b="0" i="0" u="none" strike="noStrike" kern="1200" cap="none" spc="0" normalizeH="0" baseline="0" noProof="0" dirty="0">
                 <a:ln>
                   <a:noFill/>
                 </a:ln>
@@ -34650,7 +34730,7 @@
               <a:t> </a:t>
             </a:r>
             <a:r>
-              <a:rPr kumimoji="0" lang="de-DE" sz="2400" b="0" i="0" u="none" strike="noStrike" kern="1200" cap="none" spc="0" normalizeH="0" baseline="0" noProof="0" err="1">
+              <a:rPr kumimoji="0" lang="de-DE" sz="2400" b="0" i="0" u="none" strike="noStrike" kern="1200" cap="none" spc="0" normalizeH="0" baseline="0" noProof="0" dirty="0" err="1">
                 <a:ln>
                   <a:noFill/>
                 </a:ln>
@@ -34666,7 +34746,7 @@
               </a:rPr>
               <a:t>Classification</a:t>
             </a:r>
-            <a:endParaRPr kumimoji="0" lang="de-DE" sz="2400" b="0" i="0" u="none" strike="noStrike" kern="1200" cap="none" spc="0" normalizeH="0" baseline="0" noProof="0">
+            <a:endParaRPr kumimoji="0" lang="de-DE" sz="2400" b="0" i="0" u="none" strike="noStrike" kern="1200" cap="none" spc="0" normalizeH="0" baseline="0" noProof="0" dirty="0">
               <a:ln>
                 <a:noFill/>
               </a:ln>
@@ -34702,7 +34782,7 @@
               <a:defRPr/>
             </a:pPr>
             <a:r>
-              <a:rPr kumimoji="0" lang="en-US" sz="1800" b="0" i="0" u="none" strike="noStrike" kern="1200" cap="none" spc="0" normalizeH="0" baseline="0" noProof="0">
+              <a:rPr kumimoji="0" lang="en-US" sz="1800" b="0" i="0" u="none" strike="noStrike" kern="1200" cap="none" spc="0" normalizeH="0" baseline="0" noProof="0" dirty="0">
                 <a:ln>
                   <a:noFill/>
                 </a:ln>
@@ -34740,7 +34820,7 @@
               <a:defRPr/>
             </a:pPr>
             <a:r>
-              <a:rPr kumimoji="0" lang="en-US" sz="1800" b="0" i="0" u="none" strike="noStrike" kern="1200" cap="none" spc="0" normalizeH="0" baseline="0" noProof="0">
+              <a:rPr kumimoji="0" lang="en-US" sz="1800" b="0" i="0" u="none" strike="noStrike" kern="1200" cap="none" spc="0" normalizeH="0" baseline="0" noProof="0" dirty="0">
                 <a:ln>
                   <a:noFill/>
                 </a:ln>
@@ -34778,7 +34858,7 @@
               <a:defRPr/>
             </a:pPr>
             <a:r>
-              <a:rPr kumimoji="0" lang="en-US" sz="1800" b="0" i="0" u="none" strike="noStrike" kern="1200" cap="none" spc="0" normalizeH="0" baseline="0" noProof="0">
+              <a:rPr kumimoji="0" lang="en-US" sz="1800" b="0" i="0" u="none" strike="noStrike" kern="1200" cap="none" spc="0" normalizeH="0" baseline="0" noProof="0" dirty="0">
                 <a:ln>
                   <a:noFill/>
                 </a:ln>
@@ -34816,7 +34896,7 @@
               <a:defRPr/>
             </a:pPr>
             <a:r>
-              <a:rPr kumimoji="0" lang="de-DE" sz="1800" b="0" i="0" u="none" strike="noStrike" kern="1200" cap="none" spc="0" normalizeH="0" baseline="0" noProof="0">
+              <a:rPr kumimoji="0" lang="de-DE" sz="1800" b="0" i="0" u="none" strike="noStrike" kern="1200" cap="none" spc="0" normalizeH="0" baseline="0" noProof="0" dirty="0">
                 <a:ln>
                   <a:noFill/>
                 </a:ln>
@@ -34833,7 +34913,7 @@
               <a:t>Performance </a:t>
             </a:r>
             <a:r>
-              <a:rPr kumimoji="0" lang="de-DE" sz="1800" b="0" i="0" u="none" strike="noStrike" kern="1200" cap="none" spc="0" normalizeH="0" baseline="0" noProof="0" err="1">
+              <a:rPr kumimoji="0" lang="de-DE" sz="1800" b="0" i="0" u="none" strike="noStrike" kern="1200" cap="none" spc="0" normalizeH="0" baseline="0" noProof="0" dirty="0" err="1">
                 <a:ln>
                   <a:noFill/>
                 </a:ln>
@@ -34850,7 +34930,7 @@
               <a:t>metrics</a:t>
             </a:r>
             <a:r>
-              <a:rPr kumimoji="0" lang="de-DE" sz="1800" b="0" i="0" u="none" strike="noStrike" kern="1200" cap="none" spc="0" normalizeH="0" baseline="0" noProof="0">
+              <a:rPr kumimoji="0" lang="de-DE" sz="1800" b="0" i="0" u="none" strike="noStrike" kern="1200" cap="none" spc="0" normalizeH="0" baseline="0" noProof="0" dirty="0">
                 <a:ln>
                   <a:noFill/>
                 </a:ln>
@@ -34867,7 +34947,7 @@
               <a:t> </a:t>
             </a:r>
             <a:r>
-              <a:rPr kumimoji="0" lang="de-DE" sz="1800" b="0" i="0" u="none" strike="noStrike" kern="1200" cap="none" spc="0" normalizeH="0" baseline="0" noProof="0" err="1">
+              <a:rPr kumimoji="0" lang="de-DE" sz="1800" b="0" i="0" u="none" strike="noStrike" kern="1200" cap="none" spc="0" normalizeH="0" baseline="0" noProof="0" dirty="0" err="1">
                 <a:ln>
                   <a:noFill/>
                 </a:ln>
@@ -34884,7 +34964,7 @@
               <a:t>of</a:t>
             </a:r>
             <a:r>
-              <a:rPr kumimoji="0" lang="de-DE" sz="1800" b="0" i="0" u="none" strike="noStrike" kern="1200" cap="none" spc="0" normalizeH="0" baseline="0" noProof="0">
+              <a:rPr kumimoji="0" lang="de-DE" sz="1800" b="0" i="0" u="none" strike="noStrike" kern="1200" cap="none" spc="0" normalizeH="0" baseline="0" noProof="0" dirty="0">
                 <a:ln>
                   <a:noFill/>
                 </a:ln>
@@ -34901,7 +34981,7 @@
               <a:t> a </a:t>
             </a:r>
             <a:r>
-              <a:rPr kumimoji="0" lang="de-DE" sz="1800" b="0" i="0" u="none" strike="noStrike" kern="1200" cap="none" spc="0" normalizeH="0" baseline="0" noProof="0" err="1">
+              <a:rPr kumimoji="0" lang="de-DE" sz="1800" b="0" i="0" u="none" strike="noStrike" kern="1200" cap="none" spc="0" normalizeH="0" baseline="0" noProof="0" dirty="0" err="1">
                 <a:ln>
                   <a:noFill/>
                 </a:ln>
@@ -34918,7 +34998,7 @@
               <a:t>classification</a:t>
             </a:r>
             <a:r>
-              <a:rPr kumimoji="0" lang="de-DE" sz="1800" b="0" i="0" u="none" strike="noStrike" kern="1200" cap="none" spc="0" normalizeH="0" baseline="0" noProof="0">
+              <a:rPr kumimoji="0" lang="de-DE" sz="1800" b="0" i="0" u="none" strike="noStrike" kern="1200" cap="none" spc="0" normalizeH="0" baseline="0" noProof="0" dirty="0">
                 <a:ln>
                   <a:noFill/>
                 </a:ln>
@@ -34935,7 +35015,7 @@
               <a:t> </a:t>
             </a:r>
             <a:r>
-              <a:rPr kumimoji="0" lang="de-DE" sz="1800" b="0" i="0" u="none" strike="noStrike" kern="1200" cap="none" spc="0" normalizeH="0" baseline="0" noProof="0" err="1">
+              <a:rPr kumimoji="0" lang="de-DE" sz="1800" b="0" i="0" u="none" strike="noStrike" kern="1200" cap="none" spc="0" normalizeH="0" baseline="0" noProof="0" dirty="0" err="1">
                 <a:ln>
                   <a:noFill/>
                 </a:ln>
@@ -34951,7 +35031,7 @@
               </a:rPr>
               <a:t>model</a:t>
             </a:r>
-            <a:endParaRPr kumimoji="0" lang="de-DE" sz="1800" b="0" i="0" u="none" strike="noStrike" kern="1200" cap="none" spc="0" normalizeH="0" baseline="0" noProof="0">
+            <a:endParaRPr kumimoji="0" lang="de-DE" sz="1800" b="0" i="0" u="none" strike="noStrike" kern="1200" cap="none" spc="0" normalizeH="0" baseline="0" noProof="0" dirty="0">
               <a:ln>
                 <a:noFill/>
               </a:ln>
@@ -34987,7 +35067,7 @@
               <a:defRPr/>
             </a:pPr>
             <a:r>
-              <a:rPr kumimoji="0" lang="en-US" sz="1800" b="0" i="0" u="none" strike="noStrike" kern="1200" cap="none" spc="0" normalizeH="0" baseline="0" noProof="0">
+              <a:rPr kumimoji="0" lang="en-US" sz="1800" b="0" i="0" u="none" strike="noStrike" kern="1200" cap="none" spc="0" normalizeH="0" baseline="0" noProof="0" dirty="0">
                 <a:ln>
                   <a:noFill/>
                 </a:ln>
@@ -35003,7 +35083,7 @@
               </a:rPr>
               <a:t>Use confidence values to sort out documents from "Other" category</a:t>
             </a:r>
-            <a:endParaRPr kumimoji="0" lang="de-DE" sz="1800" b="0" i="0" u="none" strike="noStrike" kern="1200" cap="none" spc="0" normalizeH="0" baseline="0" noProof="0">
+            <a:endParaRPr kumimoji="0" lang="de-DE" sz="1800" b="0" i="0" u="none" strike="noStrike" kern="1200" cap="none" spc="0" normalizeH="0" baseline="0" noProof="0" dirty="0">
               <a:ln>
                 <a:noFill/>
               </a:ln>
@@ -35037,7 +35117,7 @@
               <a:defRPr/>
             </a:pPr>
             <a:r>
-              <a:rPr kumimoji="0" lang="de-DE" sz="2400" b="0" i="0" u="none" strike="noStrike" kern="1200" cap="none" spc="0" normalizeH="0" baseline="0" noProof="0" err="1">
+              <a:rPr kumimoji="0" lang="de-DE" sz="2400" b="0" i="0" u="none" strike="noStrike" kern="1200" cap="none" spc="0" normalizeH="0" baseline="0" noProof="0" dirty="0" err="1">
                 <a:ln>
                   <a:noFill/>
                 </a:ln>
@@ -35054,7 +35134,7 @@
               <a:t>Document</a:t>
             </a:r>
             <a:r>
-              <a:rPr kumimoji="0" lang="de-DE" sz="2400" b="0" i="0" u="none" strike="noStrike" kern="1200" cap="none" spc="0" normalizeH="0" baseline="0" noProof="0">
+              <a:rPr kumimoji="0" lang="de-DE" sz="2400" b="0" i="0" u="none" strike="noStrike" kern="1200" cap="none" spc="0" normalizeH="0" baseline="0" noProof="0" dirty="0">
                 <a:ln>
                   <a:noFill/>
                 </a:ln>
@@ -35071,7 +35151,7 @@
               <a:t> Information </a:t>
             </a:r>
             <a:r>
-              <a:rPr kumimoji="0" lang="de-DE" sz="2400" b="0" i="0" u="none" strike="noStrike" kern="1200" cap="none" spc="0" normalizeH="0" baseline="0" noProof="0" err="1">
+              <a:rPr kumimoji="0" lang="de-DE" sz="2400" b="0" i="0" u="none" strike="noStrike" kern="1200" cap="none" spc="0" normalizeH="0" baseline="0" noProof="0" dirty="0" err="1">
                 <a:ln>
                   <a:noFill/>
                 </a:ln>
@@ -35087,7 +35167,7 @@
               </a:rPr>
               <a:t>Extraction</a:t>
             </a:r>
-            <a:endParaRPr kumimoji="0" lang="de-DE" sz="2400" b="0" i="0" u="none" strike="noStrike" kern="1200" cap="none" spc="0" normalizeH="0" baseline="0" noProof="0">
+            <a:endParaRPr kumimoji="0" lang="de-DE" sz="2400" b="0" i="0" u="none" strike="noStrike" kern="1200" cap="none" spc="0" normalizeH="0" baseline="0" noProof="0" dirty="0">
               <a:ln>
                 <a:noFill/>
               </a:ln>
@@ -35123,7 +35203,7 @@
               <a:defRPr/>
             </a:pPr>
             <a:r>
-              <a:rPr kumimoji="0" lang="de-DE" sz="1800" b="0" i="0" u="none" strike="noStrike" kern="1200" cap="none" spc="0" normalizeH="0" baseline="0" noProof="0">
+              <a:rPr kumimoji="0" lang="de-DE" sz="1800" b="0" i="0" u="none" strike="noStrike" kern="1200" cap="none" spc="0" normalizeH="0" baseline="0" noProof="0" dirty="0">
                 <a:ln>
                   <a:noFill/>
                 </a:ln>
@@ -35140,7 +35220,7 @@
               <a:t>Setup </a:t>
             </a:r>
             <a:r>
-              <a:rPr kumimoji="0" lang="de-DE" sz="1800" b="0" i="0" u="none" strike="noStrike" kern="1200" cap="none" spc="0" normalizeH="0" baseline="0" noProof="0" err="1">
+              <a:rPr kumimoji="0" lang="de-DE" sz="1800" b="0" i="0" u="none" strike="noStrike" kern="1200" cap="none" spc="0" normalizeH="0" baseline="0" noProof="0" dirty="0" err="1">
                 <a:ln>
                   <a:noFill/>
                 </a:ln>
@@ -35157,7 +35237,7 @@
               <a:t>Document</a:t>
             </a:r>
             <a:r>
-              <a:rPr kumimoji="0" lang="de-DE" sz="1800" b="0" i="0" u="none" strike="noStrike" kern="1200" cap="none" spc="0" normalizeH="0" baseline="0" noProof="0">
+              <a:rPr kumimoji="0" lang="de-DE" sz="1800" b="0" i="0" u="none" strike="noStrike" kern="1200" cap="none" spc="0" normalizeH="0" baseline="0" noProof="0" dirty="0">
                 <a:ln>
                   <a:noFill/>
                 </a:ln>
@@ -35174,7 +35254,7 @@
               <a:t> Information </a:t>
             </a:r>
             <a:r>
-              <a:rPr kumimoji="0" lang="de-DE" sz="1800" b="0" i="0" u="none" strike="noStrike" kern="1200" cap="none" spc="0" normalizeH="0" baseline="0" noProof="0" err="1">
+              <a:rPr kumimoji="0" lang="de-DE" sz="1800" b="0" i="0" u="none" strike="noStrike" kern="1200" cap="none" spc="0" normalizeH="0" baseline="0" noProof="0" dirty="0" err="1">
                 <a:ln>
                   <a:noFill/>
                 </a:ln>
@@ -35191,7 +35271,7 @@
               <a:t>Extraction</a:t>
             </a:r>
             <a:r>
-              <a:rPr kumimoji="0" lang="de-DE" sz="1800" b="0" i="0" u="none" strike="noStrike" kern="1200" cap="none" spc="0" normalizeH="0" baseline="0" noProof="0">
+              <a:rPr kumimoji="0" lang="de-DE" sz="1800" b="0" i="0" u="none" strike="noStrike" kern="1200" cap="none" spc="0" normalizeH="0" baseline="0" noProof="0" dirty="0">
                 <a:ln>
                   <a:noFill/>
                 </a:ln>
@@ -35208,7 +35288,7 @@
               <a:t> </a:t>
             </a:r>
             <a:r>
-              <a:rPr kumimoji="0" lang="de-DE" sz="1800" b="0" i="0" u="none" strike="noStrike" kern="1200" cap="none" spc="0" normalizeH="0" baseline="0" noProof="0" err="1">
+              <a:rPr kumimoji="0" lang="de-DE" sz="1800" b="0" i="0" u="none" strike="noStrike" kern="1200" cap="none" spc="0" normalizeH="0" baseline="0" noProof="0" dirty="0" err="1">
                 <a:ln>
                   <a:noFill/>
                 </a:ln>
@@ -35225,7 +35305,7 @@
               <a:t>service</a:t>
             </a:r>
             <a:r>
-              <a:rPr kumimoji="0" lang="de-DE" sz="1800" b="0" i="0" u="none" strike="noStrike" kern="1200" cap="none" spc="0" normalizeH="0" baseline="0" noProof="0">
+              <a:rPr kumimoji="0" lang="de-DE" sz="1800" b="0" i="0" u="none" strike="noStrike" kern="1200" cap="none" spc="0" normalizeH="0" baseline="0" noProof="0" dirty="0">
                 <a:ln>
                   <a:noFill/>
                 </a:ln>
@@ -35263,7 +35343,7 @@
               <a:defRPr/>
             </a:pPr>
             <a:r>
-              <a:rPr kumimoji="0" lang="de-DE" sz="1800" b="0" i="0" u="none" strike="noStrike" kern="1200" cap="none" spc="0" normalizeH="0" baseline="0" noProof="0">
+              <a:rPr kumimoji="0" lang="de-DE" sz="1800" b="0" i="0" u="none" strike="noStrike" kern="1200" cap="none" spc="0" normalizeH="0" baseline="0" noProof="0" dirty="0">
                 <a:ln>
                   <a:noFill/>
                 </a:ln>
@@ -35280,7 +35360,7 @@
               <a:t>Upload a </a:t>
             </a:r>
             <a:r>
-              <a:rPr kumimoji="0" lang="de-DE" sz="1800" b="0" i="0" u="none" strike="noStrike" kern="1200" cap="none" spc="0" normalizeH="0" baseline="0" noProof="0" err="1">
+              <a:rPr kumimoji="0" lang="de-DE" sz="1800" b="0" i="0" u="none" strike="noStrike" kern="1200" cap="none" spc="0" normalizeH="0" baseline="0" noProof="0" dirty="0" err="1">
                 <a:ln>
                   <a:noFill/>
                 </a:ln>
@@ -35297,7 +35377,7 @@
               <a:t>document</a:t>
             </a:r>
             <a:r>
-              <a:rPr kumimoji="0" lang="de-DE" sz="1800" b="0" i="0" u="none" strike="noStrike" kern="1200" cap="none" spc="0" normalizeH="0" baseline="0" noProof="0">
+              <a:rPr kumimoji="0" lang="de-DE" sz="1800" b="0" i="0" u="none" strike="noStrike" kern="1200" cap="none" spc="0" normalizeH="0" baseline="0" noProof="0" dirty="0">
                 <a:ln>
                   <a:noFill/>
                 </a:ln>
@@ -35314,7 +35394,7 @@
               <a:t> for </a:t>
             </a:r>
             <a:r>
-              <a:rPr kumimoji="0" lang="de-DE" sz="1800" b="0" i="0" u="none" strike="noStrike" kern="1200" cap="none" spc="0" normalizeH="0" baseline="0" noProof="0" err="1">
+              <a:rPr kumimoji="0" lang="de-DE" sz="1800" b="0" i="0" u="none" strike="noStrike" kern="1200" cap="none" spc="0" normalizeH="0" baseline="0" noProof="0" dirty="0" err="1">
                 <a:ln>
                   <a:noFill/>
                 </a:ln>
@@ -35331,7 +35411,7 @@
               <a:t>extraction</a:t>
             </a:r>
             <a:r>
-              <a:rPr kumimoji="0" lang="de-DE" sz="1800" b="0" i="0" u="none" strike="noStrike" kern="1200" cap="none" spc="0" normalizeH="0" baseline="0" noProof="0">
+              <a:rPr kumimoji="0" lang="de-DE" sz="1800" b="0" i="0" u="none" strike="noStrike" kern="1200" cap="none" spc="0" normalizeH="0" baseline="0" noProof="0" dirty="0">
                 <a:ln>
                   <a:noFill/>
                 </a:ln>
@@ -35348,7 +35428,7 @@
               <a:t> </a:t>
             </a:r>
             <a:r>
-              <a:rPr kumimoji="0" lang="de-DE" sz="1800" b="0" i="0" u="none" strike="noStrike" kern="1200" cap="none" spc="0" normalizeH="0" baseline="0" noProof="0" err="1">
+              <a:rPr kumimoji="0" lang="de-DE" sz="1800" b="0" i="0" u="none" strike="noStrike" kern="1200" cap="none" spc="0" normalizeH="0" baseline="0" noProof="0" dirty="0" err="1">
                 <a:ln>
                   <a:noFill/>
                 </a:ln>
@@ -35365,7 +35445,7 @@
               <a:t>using</a:t>
             </a:r>
             <a:r>
-              <a:rPr kumimoji="0" lang="de-DE" sz="1800" b="0" i="0" u="none" strike="noStrike" kern="1200" cap="none" spc="0" normalizeH="0" baseline="0" noProof="0">
+              <a:rPr kumimoji="0" lang="de-DE" sz="1800" b="0" i="0" u="none" strike="noStrike" kern="1200" cap="none" spc="0" normalizeH="0" baseline="0" noProof="0" dirty="0">
                 <a:ln>
                   <a:noFill/>
                 </a:ln>
@@ -35382,7 +35462,7 @@
               <a:t> UI </a:t>
             </a:r>
             <a:r>
-              <a:rPr kumimoji="0" lang="de-DE" sz="1800" b="0" i="0" u="none" strike="noStrike" kern="1200" cap="none" spc="0" normalizeH="0" baseline="0" noProof="0" err="1">
+              <a:rPr kumimoji="0" lang="de-DE" sz="1800" b="0" i="0" u="none" strike="noStrike" kern="1200" cap="none" spc="0" normalizeH="0" baseline="0" noProof="0" dirty="0" err="1">
                 <a:ln>
                   <a:noFill/>
                 </a:ln>
@@ -35398,7 +35478,7 @@
               </a:rPr>
               <a:t>application</a:t>
             </a:r>
-            <a:endParaRPr kumimoji="0" lang="de-DE" sz="1800" b="0" i="0" u="none" strike="noStrike" kern="1200" cap="none" spc="0" normalizeH="0" baseline="0" noProof="0">
+            <a:endParaRPr kumimoji="0" lang="de-DE" sz="1800" b="0" i="0" u="none" strike="noStrike" kern="1200" cap="none" spc="0" normalizeH="0" baseline="0" noProof="0" dirty="0">
               <a:ln>
                 <a:noFill/>
               </a:ln>
@@ -35434,7 +35514,7 @@
               <a:defRPr/>
             </a:pPr>
             <a:r>
-              <a:rPr kumimoji="0" lang="de-DE" sz="1800" b="0" i="0" u="none" strike="noStrike" kern="1200" cap="none" spc="0" normalizeH="0" baseline="0" noProof="0" err="1">
+              <a:rPr kumimoji="0" lang="de-DE" sz="1800" b="0" i="0" u="none" strike="noStrike" kern="1200" cap="none" spc="0" normalizeH="0" baseline="0" noProof="0" dirty="0" err="1">
                 <a:ln>
                   <a:noFill/>
                 </a:ln>
@@ -35451,7 +35531,7 @@
               <a:t>Visualize</a:t>
             </a:r>
             <a:r>
-              <a:rPr kumimoji="0" lang="de-DE" sz="1800" b="0" i="0" u="none" strike="noStrike" kern="1200" cap="none" spc="0" normalizeH="0" baseline="0" noProof="0">
+              <a:rPr kumimoji="0" lang="de-DE" sz="1800" b="0" i="0" u="none" strike="noStrike" kern="1200" cap="none" spc="0" normalizeH="0" baseline="0" noProof="0" dirty="0">
                 <a:ln>
                   <a:noFill/>
                 </a:ln>
@@ -35468,7 +35548,7 @@
               <a:t>, </a:t>
             </a:r>
             <a:r>
-              <a:rPr kumimoji="0" lang="de-DE" sz="1800" b="0" i="0" u="none" strike="noStrike" kern="1200" cap="none" spc="0" normalizeH="0" baseline="0" noProof="0" err="1">
+              <a:rPr kumimoji="0" lang="de-DE" sz="1800" b="0" i="0" u="none" strike="noStrike" kern="1200" cap="none" spc="0" normalizeH="0" baseline="0" noProof="0" dirty="0" err="1">
                 <a:ln>
                   <a:noFill/>
                 </a:ln>
@@ -35485,7 +35565,7 @@
               <a:t>correct</a:t>
             </a:r>
             <a:r>
-              <a:rPr kumimoji="0" lang="de-DE" sz="1800" b="0" i="0" u="none" strike="noStrike" kern="1200" cap="none" spc="0" normalizeH="0" baseline="0" noProof="0">
+              <a:rPr kumimoji="0" lang="de-DE" sz="1800" b="0" i="0" u="none" strike="noStrike" kern="1200" cap="none" spc="0" normalizeH="0" baseline="0" noProof="0" dirty="0">
                 <a:ln>
                   <a:noFill/>
                 </a:ln>
@@ -35502,7 +35582,7 @@
               <a:t> </a:t>
             </a:r>
             <a:r>
-              <a:rPr kumimoji="0" lang="de-DE" sz="1800" b="0" i="0" u="none" strike="noStrike" kern="1200" cap="none" spc="0" normalizeH="0" baseline="0" noProof="0" err="1">
+              <a:rPr kumimoji="0" lang="de-DE" sz="1800" b="0" i="0" u="none" strike="noStrike" kern="1200" cap="none" spc="0" normalizeH="0" baseline="0" noProof="0" dirty="0" err="1">
                 <a:ln>
                   <a:noFill/>
                 </a:ln>
@@ -35519,7 +35599,7 @@
               <a:t>extraction</a:t>
             </a:r>
             <a:r>
-              <a:rPr kumimoji="0" lang="de-DE" sz="1800" b="0" i="0" u="none" strike="noStrike" kern="1200" cap="none" spc="0" normalizeH="0" baseline="0" noProof="0">
+              <a:rPr kumimoji="0" lang="de-DE" sz="1800" b="0" i="0" u="none" strike="noStrike" kern="1200" cap="none" spc="0" normalizeH="0" baseline="0" noProof="0" dirty="0">
                 <a:ln>
                   <a:noFill/>
                 </a:ln>
@@ -35536,7 +35616,7 @@
               <a:t> </a:t>
             </a:r>
             <a:r>
-              <a:rPr kumimoji="0" lang="de-DE" sz="1800" b="0" i="0" u="none" strike="noStrike" kern="1200" cap="none" spc="0" normalizeH="0" baseline="0" noProof="0" err="1">
+              <a:rPr kumimoji="0" lang="de-DE" sz="1800" b="0" i="0" u="none" strike="noStrike" kern="1200" cap="none" spc="0" normalizeH="0" baseline="0" noProof="0" dirty="0" err="1">
                 <a:ln>
                   <a:noFill/>
                 </a:ln>
@@ -35553,7 +35633,7 @@
               <a:t>results</a:t>
             </a:r>
             <a:r>
-              <a:rPr kumimoji="0" lang="de-DE" sz="1800" b="0" i="0" u="none" strike="noStrike" kern="1200" cap="none" spc="0" normalizeH="0" baseline="0" noProof="0">
+              <a:rPr kumimoji="0" lang="de-DE" sz="1800" b="0" i="0" u="none" strike="noStrike" kern="1200" cap="none" spc="0" normalizeH="0" baseline="0" noProof="0" dirty="0">
                 <a:ln>
                   <a:noFill/>
                 </a:ln>
@@ -35570,7 +35650,7 @@
               <a:t> and </a:t>
             </a:r>
             <a:r>
-              <a:rPr kumimoji="0" lang="de-DE" sz="1800" b="0" i="0" u="none" strike="noStrike" kern="1200" cap="none" spc="0" normalizeH="0" baseline="0" noProof="0" err="1">
+              <a:rPr kumimoji="0" lang="de-DE" sz="1800" b="0" i="0" u="none" strike="noStrike" kern="1200" cap="none" spc="0" normalizeH="0" baseline="0" noProof="0" dirty="0" err="1">
                 <a:ln>
                   <a:noFill/>
                 </a:ln>
@@ -35587,7 +35667,7 @@
               <a:t>confirm</a:t>
             </a:r>
             <a:r>
-              <a:rPr kumimoji="0" lang="de-DE" sz="1800" b="0" i="0" u="none" strike="noStrike" kern="1200" cap="none" spc="0" normalizeH="0" baseline="0" noProof="0">
+              <a:rPr kumimoji="0" lang="de-DE" sz="1800" b="0" i="0" u="none" strike="noStrike" kern="1200" cap="none" spc="0" normalizeH="0" baseline="0" noProof="0" dirty="0">
                 <a:ln>
                   <a:noFill/>
                 </a:ln>
@@ -35604,7 +35684,7 @@
               <a:t> </a:t>
             </a:r>
             <a:r>
-              <a:rPr kumimoji="0" lang="de-DE" sz="1800" b="0" i="0" u="none" strike="noStrike" kern="1200" cap="none" spc="0" normalizeH="0" baseline="0" noProof="0" err="1">
+              <a:rPr kumimoji="0" lang="de-DE" sz="1800" b="0" i="0" u="none" strike="noStrike" kern="1200" cap="none" spc="0" normalizeH="0" baseline="0" noProof="0" dirty="0" err="1">
                 <a:ln>
                   <a:noFill/>
                 </a:ln>
@@ -35621,7 +35701,7 @@
               <a:t>document</a:t>
             </a:r>
             <a:r>
-              <a:rPr kumimoji="0" lang="de-DE" sz="1800" b="0" i="0" u="none" strike="noStrike" kern="1200" cap="none" spc="0" normalizeH="0" baseline="0" noProof="0">
+              <a:rPr kumimoji="0" lang="de-DE" sz="1800" b="0" i="0" u="none" strike="noStrike" kern="1200" cap="none" spc="0" normalizeH="0" baseline="0" noProof="0" dirty="0">
                 <a:ln>
                   <a:noFill/>
                 </a:ln>
@@ -35638,7 +35718,7 @@
               <a:t> </a:t>
             </a:r>
             <a:r>
-              <a:rPr kumimoji="0" lang="de-DE" sz="1800" b="0" i="0" u="none" strike="noStrike" kern="1200" cap="none" spc="0" normalizeH="0" baseline="0" noProof="0" err="1">
+              <a:rPr kumimoji="0" lang="de-DE" sz="1800" b="0" i="0" u="none" strike="noStrike" kern="1200" cap="none" spc="0" normalizeH="0" baseline="0" noProof="0" dirty="0" err="1">
                 <a:ln>
                   <a:noFill/>
                 </a:ln>
@@ -35655,7 +35735,7 @@
               <a:t>using</a:t>
             </a:r>
             <a:r>
-              <a:rPr kumimoji="0" lang="de-DE" sz="1800" b="0" i="0" u="none" strike="noStrike" kern="1200" cap="none" spc="0" normalizeH="0" baseline="0" noProof="0">
+              <a:rPr kumimoji="0" lang="de-DE" sz="1800" b="0" i="0" u="none" strike="noStrike" kern="1200" cap="none" spc="0" normalizeH="0" baseline="0" noProof="0" dirty="0">
                 <a:ln>
                   <a:noFill/>
                 </a:ln>
@@ -35672,7 +35752,7 @@
               <a:t> UI </a:t>
             </a:r>
             <a:r>
-              <a:rPr kumimoji="0" lang="de-DE" sz="1800" b="0" i="0" u="none" strike="noStrike" kern="1200" cap="none" spc="0" normalizeH="0" baseline="0" noProof="0" err="1">
+              <a:rPr kumimoji="0" lang="de-DE" sz="1800" b="0" i="0" u="none" strike="noStrike" kern="1200" cap="none" spc="0" normalizeH="0" baseline="0" noProof="0" dirty="0" err="1">
                 <a:ln>
                   <a:noFill/>
                 </a:ln>
@@ -35688,7 +35768,7 @@
               </a:rPr>
               <a:t>application</a:t>
             </a:r>
-            <a:endParaRPr kumimoji="0" lang="de-DE" sz="1800" b="0" i="0" u="none" strike="noStrike" kern="1200" cap="none" spc="0" normalizeH="0" baseline="0" noProof="0">
+            <a:endParaRPr kumimoji="0" lang="de-DE" sz="1800" b="0" i="0" u="none" strike="noStrike" kern="1200" cap="none" spc="0" normalizeH="0" baseline="0" noProof="0" dirty="0">
               <a:ln>
                 <a:noFill/>
               </a:ln>
@@ -35724,7 +35804,7 @@
               <a:defRPr/>
             </a:pPr>
             <a:r>
-              <a:rPr kumimoji="0" lang="de-DE" sz="1800" b="0" i="0" u="none" strike="noStrike" kern="1200" cap="none" spc="0" normalizeH="0" baseline="0" noProof="0" err="1">
+              <a:rPr kumimoji="0" lang="de-DE" sz="1800" b="0" i="0" u="none" strike="noStrike" kern="1200" cap="none" spc="0" normalizeH="0" baseline="0" noProof="0" dirty="0" err="1">
                 <a:ln>
                   <a:noFill/>
                 </a:ln>
@@ -35741,7 +35821,7 @@
               <a:t>Get</a:t>
             </a:r>
             <a:r>
-              <a:rPr kumimoji="0" lang="de-DE" sz="1800" b="0" i="0" u="none" strike="noStrike" kern="1200" cap="none" spc="0" normalizeH="0" baseline="0" noProof="0">
+              <a:rPr kumimoji="0" lang="de-DE" sz="1800" b="0" i="0" u="none" strike="noStrike" kern="1200" cap="none" spc="0" normalizeH="0" baseline="0" noProof="0" dirty="0">
                 <a:ln>
                   <a:noFill/>
                 </a:ln>
@@ -35758,7 +35838,7 @@
               <a:t> an </a:t>
             </a:r>
             <a:r>
-              <a:rPr kumimoji="0" lang="de-DE" sz="1800" b="0" i="0" u="none" strike="noStrike" kern="1200" cap="none" spc="0" normalizeH="0" baseline="0" noProof="0" err="1">
+              <a:rPr kumimoji="0" lang="de-DE" sz="1800" b="0" i="0" u="none" strike="noStrike" kern="1200" cap="none" spc="0" normalizeH="0" baseline="0" noProof="0" dirty="0" err="1">
                 <a:ln>
                   <a:noFill/>
                 </a:ln>
@@ -35775,7 +35855,7 @@
               <a:t>authentication</a:t>
             </a:r>
             <a:r>
-              <a:rPr kumimoji="0" lang="de-DE" sz="1800" b="0" i="0" u="none" strike="noStrike" kern="1200" cap="none" spc="0" normalizeH="0" baseline="0" noProof="0">
+              <a:rPr kumimoji="0" lang="de-DE" sz="1800" b="0" i="0" u="none" strike="noStrike" kern="1200" cap="none" spc="0" normalizeH="0" baseline="0" noProof="0" dirty="0">
                 <a:ln>
                   <a:noFill/>
                 </a:ln>
@@ -35792,7 +35872,7 @@
               <a:t> </a:t>
             </a:r>
             <a:r>
-              <a:rPr kumimoji="0" lang="de-DE" sz="1800" b="0" i="0" u="none" strike="noStrike" kern="1200" cap="none" spc="0" normalizeH="0" baseline="0" noProof="0" err="1">
+              <a:rPr kumimoji="0" lang="de-DE" sz="1800" b="0" i="0" u="none" strike="noStrike" kern="1200" cap="none" spc="0" normalizeH="0" baseline="0" noProof="0" dirty="0" err="1">
                 <a:ln>
                   <a:noFill/>
                 </a:ln>
@@ -35809,7 +35889,7 @@
               <a:t>token</a:t>
             </a:r>
             <a:r>
-              <a:rPr kumimoji="0" lang="de-DE" sz="1800" b="0" i="0" u="none" strike="noStrike" kern="1200" cap="none" spc="0" normalizeH="0" baseline="0" noProof="0">
+              <a:rPr kumimoji="0" lang="de-DE" sz="1800" b="0" i="0" u="none" strike="noStrike" kern="1200" cap="none" spc="0" normalizeH="0" baseline="0" noProof="0" dirty="0">
                 <a:ln>
                   <a:noFill/>
                 </a:ln>
@@ -35826,7 +35906,7 @@
               <a:t> </a:t>
             </a:r>
             <a:r>
-              <a:rPr kumimoji="0" lang="de-DE" sz="1800" b="0" i="0" u="none" strike="noStrike" kern="1200" cap="none" spc="0" normalizeH="0" baseline="0" noProof="0" err="1">
+              <a:rPr kumimoji="0" lang="de-DE" sz="1800" b="0" i="0" u="none" strike="noStrike" kern="1200" cap="none" spc="0" normalizeH="0" baseline="0" noProof="0" dirty="0" err="1">
                 <a:ln>
                   <a:noFill/>
                 </a:ln>
@@ -35843,7 +35923,7 @@
               <a:t>to</a:t>
             </a:r>
             <a:r>
-              <a:rPr kumimoji="0" lang="de-DE" sz="1800" b="0" i="0" u="none" strike="noStrike" kern="1200" cap="none" spc="0" normalizeH="0" baseline="0" noProof="0">
+              <a:rPr kumimoji="0" lang="de-DE" sz="1800" b="0" i="0" u="none" strike="noStrike" kern="1200" cap="none" spc="0" normalizeH="0" baseline="0" noProof="0" dirty="0">
                 <a:ln>
                   <a:noFill/>
                 </a:ln>
@@ -35860,7 +35940,7 @@
               <a:t> </a:t>
             </a:r>
             <a:r>
-              <a:rPr kumimoji="0" lang="de-DE" sz="1800" b="0" i="0" u="none" strike="noStrike" kern="1200" cap="none" spc="0" normalizeH="0" baseline="0" noProof="0" err="1">
+              <a:rPr kumimoji="0" lang="de-DE" sz="1800" b="0" i="0" u="none" strike="noStrike" kern="1200" cap="none" spc="0" normalizeH="0" baseline="0" noProof="0" dirty="0" err="1">
                 <a:ln>
                   <a:noFill/>
                 </a:ln>
@@ -35877,7 +35957,7 @@
               <a:t>use</a:t>
             </a:r>
             <a:r>
-              <a:rPr kumimoji="0" lang="de-DE" sz="1800" b="0" i="0" u="none" strike="noStrike" kern="1200" cap="none" spc="0" normalizeH="0" baseline="0" noProof="0">
+              <a:rPr kumimoji="0" lang="de-DE" sz="1800" b="0" i="0" u="none" strike="noStrike" kern="1200" cap="none" spc="0" normalizeH="0" baseline="0" noProof="0" dirty="0">
                 <a:ln>
                   <a:noFill/>
                 </a:ln>
@@ -35894,7 +35974,7 @@
               <a:t> </a:t>
             </a:r>
             <a:r>
-              <a:rPr kumimoji="0" lang="de-DE" sz="1800" b="0" i="0" u="none" strike="noStrike" kern="1200" cap="none" spc="0" normalizeH="0" baseline="0" noProof="0" err="1">
+              <a:rPr kumimoji="0" lang="de-DE" sz="1800" b="0" i="0" u="none" strike="noStrike" kern="1200" cap="none" spc="0" normalizeH="0" baseline="0" noProof="0" dirty="0" err="1">
                 <a:ln>
                   <a:noFill/>
                 </a:ln>
@@ -35911,7 +35991,7 @@
               <a:t>Document</a:t>
             </a:r>
             <a:r>
-              <a:rPr kumimoji="0" lang="de-DE" sz="1800" b="0" i="0" u="none" strike="noStrike" kern="1200" cap="none" spc="0" normalizeH="0" baseline="0" noProof="0">
+              <a:rPr kumimoji="0" lang="de-DE" sz="1800" b="0" i="0" u="none" strike="noStrike" kern="1200" cap="none" spc="0" normalizeH="0" baseline="0" noProof="0" dirty="0">
                 <a:ln>
                   <a:noFill/>
                 </a:ln>
@@ -35928,7 +36008,7 @@
               <a:t> Information </a:t>
             </a:r>
             <a:r>
-              <a:rPr kumimoji="0" lang="de-DE" sz="1800" b="0" i="0" u="none" strike="noStrike" kern="1200" cap="none" spc="0" normalizeH="0" baseline="0" noProof="0" err="1">
+              <a:rPr kumimoji="0" lang="de-DE" sz="1800" b="0" i="0" u="none" strike="noStrike" kern="1200" cap="none" spc="0" normalizeH="0" baseline="0" noProof="0" dirty="0" err="1">
                 <a:ln>
                   <a:noFill/>
                 </a:ln>
@@ -35945,7 +36025,7 @@
               <a:t>Extraction</a:t>
             </a:r>
             <a:r>
-              <a:rPr kumimoji="0" lang="de-DE" sz="1800" b="0" i="0" u="none" strike="noStrike" kern="1200" cap="none" spc="0" normalizeH="0" baseline="0" noProof="0">
+              <a:rPr kumimoji="0" lang="de-DE" sz="1800" b="0" i="0" u="none" strike="noStrike" kern="1200" cap="none" spc="0" normalizeH="0" baseline="0" noProof="0" dirty="0">
                 <a:ln>
                   <a:noFill/>
                 </a:ln>
@@ -35983,7 +36063,7 @@
               <a:defRPr/>
             </a:pPr>
             <a:r>
-              <a:rPr kumimoji="0" lang="de-DE" sz="1800" b="0" i="0" u="none" strike="noStrike" kern="1200" cap="none" spc="0" normalizeH="0" baseline="0" noProof="0" err="1">
+              <a:rPr kumimoji="0" lang="de-DE" sz="1800" b="0" i="0" u="none" strike="noStrike" kern="1200" cap="none" spc="0" normalizeH="0" baseline="0" noProof="0" dirty="0" err="1">
                 <a:ln>
                   <a:noFill/>
                 </a:ln>
@@ -36000,7 +36080,7 @@
               <a:t>Get</a:t>
             </a:r>
             <a:r>
-              <a:rPr kumimoji="0" lang="de-DE" sz="1800" b="0" i="0" u="none" strike="noStrike" kern="1200" cap="none" spc="0" normalizeH="0" baseline="0" noProof="0">
+              <a:rPr kumimoji="0" lang="de-DE" sz="1800" b="0" i="0" u="none" strike="noStrike" kern="1200" cap="none" spc="0" normalizeH="0" baseline="0" noProof="0" dirty="0">
                 <a:ln>
                   <a:noFill/>
                 </a:ln>
@@ -36017,7 +36097,7 @@
               <a:t> </a:t>
             </a:r>
             <a:r>
-              <a:rPr kumimoji="0" lang="de-DE" sz="1800" b="0" i="0" u="none" strike="noStrike" kern="1200" cap="none" spc="0" normalizeH="0" baseline="0" noProof="0" err="1">
+              <a:rPr kumimoji="0" lang="de-DE" sz="1800" b="0" i="0" u="none" strike="noStrike" kern="1200" cap="none" spc="0" normalizeH="0" baseline="0" noProof="0" dirty="0" err="1">
                 <a:ln>
                   <a:noFill/>
                 </a:ln>
@@ -36034,7 +36114,7 @@
               <a:t>extraction</a:t>
             </a:r>
             <a:r>
-              <a:rPr kumimoji="0" lang="de-DE" sz="1800" b="0" i="0" u="none" strike="noStrike" kern="1200" cap="none" spc="0" normalizeH="0" baseline="0" noProof="0">
+              <a:rPr kumimoji="0" lang="de-DE" sz="1800" b="0" i="0" u="none" strike="noStrike" kern="1200" cap="none" spc="0" normalizeH="0" baseline="0" noProof="0" dirty="0">
                 <a:ln>
                   <a:noFill/>
                 </a:ln>
@@ -36051,7 +36131,7 @@
               <a:t> </a:t>
             </a:r>
             <a:r>
-              <a:rPr kumimoji="0" lang="de-DE" sz="1800" b="0" i="0" u="none" strike="noStrike" kern="1200" cap="none" spc="0" normalizeH="0" baseline="0" noProof="0" err="1">
+              <a:rPr kumimoji="0" lang="de-DE" sz="1800" b="0" i="0" u="none" strike="noStrike" kern="1200" cap="none" spc="0" normalizeH="0" baseline="0" noProof="0" dirty="0" err="1">
                 <a:ln>
                   <a:noFill/>
                 </a:ln>
@@ -36068,7 +36148,7 @@
               <a:t>results</a:t>
             </a:r>
             <a:r>
-              <a:rPr kumimoji="0" lang="de-DE" sz="1800" b="0" i="0" u="none" strike="noStrike" kern="1200" cap="none" spc="0" normalizeH="0" baseline="0" noProof="0">
+              <a:rPr kumimoji="0" lang="de-DE" sz="1800" b="0" i="0" u="none" strike="noStrike" kern="1200" cap="none" spc="0" normalizeH="0" baseline="0" noProof="0" dirty="0">
                 <a:ln>
                   <a:noFill/>
                 </a:ln>
@@ -36085,7 +36165,7 @@
               <a:t> </a:t>
             </a:r>
             <a:r>
-              <a:rPr kumimoji="0" lang="de-DE" sz="1800" b="0" i="0" u="none" strike="noStrike" kern="1200" cap="none" spc="0" normalizeH="0" baseline="0" noProof="0" err="1">
+              <a:rPr kumimoji="0" lang="de-DE" sz="1800" b="0" i="0" u="none" strike="noStrike" kern="1200" cap="none" spc="0" normalizeH="0" baseline="0" noProof="0" dirty="0" err="1">
                 <a:ln>
                   <a:noFill/>
                 </a:ln>
@@ -36102,7 +36182,7 @@
               <a:t>of</a:t>
             </a:r>
             <a:r>
-              <a:rPr kumimoji="0" lang="de-DE" sz="1800" b="0" i="0" u="none" strike="noStrike" kern="1200" cap="none" spc="0" normalizeH="0" baseline="0" noProof="0">
+              <a:rPr kumimoji="0" lang="de-DE" sz="1800" b="0" i="0" u="none" strike="noStrike" kern="1200" cap="none" spc="0" normalizeH="0" baseline="0" noProof="0" dirty="0">
                 <a:ln>
                   <a:noFill/>
                 </a:ln>
@@ -36119,7 +36199,7 @@
               <a:t> </a:t>
             </a:r>
             <a:r>
-              <a:rPr kumimoji="0" lang="de-DE" sz="1800" b="0" i="0" u="none" strike="noStrike" kern="1200" cap="none" spc="0" normalizeH="0" baseline="0" noProof="0" err="1">
+              <a:rPr kumimoji="0" lang="de-DE" sz="1800" b="0" i="0" u="none" strike="noStrike" kern="1200" cap="none" spc="0" normalizeH="0" baseline="0" noProof="0" dirty="0" err="1">
                 <a:ln>
                   <a:noFill/>
                 </a:ln>
@@ -36136,7 +36216,7 @@
               <a:t>document</a:t>
             </a:r>
             <a:r>
-              <a:rPr kumimoji="0" lang="de-DE" sz="1800" b="0" i="0" u="none" strike="noStrike" kern="1200" cap="none" spc="0" normalizeH="0" baseline="0" noProof="0">
+              <a:rPr kumimoji="0" lang="de-DE" sz="1800" b="0" i="0" u="none" strike="noStrike" kern="1200" cap="none" spc="0" normalizeH="0" baseline="0" noProof="0" dirty="0">
                 <a:ln>
                   <a:noFill/>
                 </a:ln>
@@ -36153,7 +36233,7 @@
               <a:t> </a:t>
             </a:r>
             <a:r>
-              <a:rPr kumimoji="0" lang="de-DE" sz="1800" b="0" i="0" u="none" strike="noStrike" kern="1200" cap="none" spc="0" normalizeH="0" baseline="0" noProof="0" err="1">
+              <a:rPr kumimoji="0" lang="de-DE" sz="1800" b="0" i="0" u="none" strike="noStrike" kern="1200" cap="none" spc="0" normalizeH="0" baseline="0" noProof="0" dirty="0" err="1">
                 <a:ln>
                   <a:noFill/>
                 </a:ln>
@@ -36170,7 +36250,7 @@
               <a:t>using</a:t>
             </a:r>
             <a:r>
-              <a:rPr kumimoji="0" lang="de-DE" sz="1800" b="0" i="0" u="none" strike="noStrike" kern="1200" cap="none" spc="0" normalizeH="0" baseline="0" noProof="0">
+              <a:rPr kumimoji="0" lang="de-DE" sz="1800" b="0" i="0" u="none" strike="noStrike" kern="1200" cap="none" spc="0" normalizeH="0" baseline="0" noProof="0" dirty="0">
                 <a:ln>
                   <a:noFill/>
                 </a:ln>
@@ -36208,7 +36288,7 @@
               <a:defRPr/>
             </a:pPr>
             <a:r>
-              <a:rPr kumimoji="0" lang="de-DE" sz="1800" b="0" i="0" u="none" strike="noStrike" kern="1200" cap="none" spc="0" normalizeH="0" baseline="0" noProof="0">
+              <a:rPr kumimoji="0" lang="de-DE" sz="1800" b="0" i="0" u="none" strike="noStrike" kern="1200" cap="none" spc="0" normalizeH="0" baseline="0" noProof="0" dirty="0">
                 <a:ln>
                   <a:noFill/>
                 </a:ln>
@@ -36225,7 +36305,7 @@
               <a:t>Upload </a:t>
             </a:r>
             <a:r>
-              <a:rPr kumimoji="0" lang="de-DE" sz="1800" b="0" i="0" u="none" strike="noStrike" kern="1200" cap="none" spc="0" normalizeH="0" baseline="0" noProof="0" err="1">
+              <a:rPr kumimoji="0" lang="de-DE" sz="1800" b="0" i="0" u="none" strike="noStrike" kern="1200" cap="none" spc="0" normalizeH="0" baseline="0" noProof="0" dirty="0" err="1">
                 <a:ln>
                   <a:noFill/>
                 </a:ln>
@@ -36242,7 +36322,7 @@
               <a:t>supplier</a:t>
             </a:r>
             <a:r>
-              <a:rPr kumimoji="0" lang="de-DE" sz="1800" b="0" i="0" u="none" strike="noStrike" kern="1200" cap="none" spc="0" normalizeH="0" baseline="0" noProof="0">
+              <a:rPr kumimoji="0" lang="de-DE" sz="1800" b="0" i="0" u="none" strike="noStrike" kern="1200" cap="none" spc="0" normalizeH="0" baseline="0" noProof="0" dirty="0">
                 <a:ln>
                   <a:noFill/>
                 </a:ln>
@@ -36259,7 +36339,7 @@
               <a:t> </a:t>
             </a:r>
             <a:r>
-              <a:rPr kumimoji="0" lang="de-DE" sz="1800" b="0" i="0" u="none" strike="noStrike" kern="1200" cap="none" spc="0" normalizeH="0" baseline="0" noProof="0" err="1">
+              <a:rPr kumimoji="0" lang="de-DE" sz="1800" b="0" i="0" u="none" strike="noStrike" kern="1200" cap="none" spc="0" normalizeH="0" baseline="0" noProof="0" dirty="0" err="1">
                 <a:ln>
                   <a:noFill/>
                 </a:ln>
@@ -36276,7 +36356,7 @@
               <a:t>data</a:t>
             </a:r>
             <a:r>
-              <a:rPr kumimoji="0" lang="de-DE" sz="1800" b="0" i="0" u="none" strike="noStrike" kern="1200" cap="none" spc="0" normalizeH="0" baseline="0" noProof="0">
+              <a:rPr kumimoji="0" lang="de-DE" sz="1800" b="0" i="0" u="none" strike="noStrike" kern="1200" cap="none" spc="0" normalizeH="0" baseline="0" noProof="0" dirty="0">
                 <a:ln>
                   <a:noFill/>
                 </a:ln>
@@ -36293,7 +36373,7 @@
               <a:t> for </a:t>
             </a:r>
             <a:r>
-              <a:rPr kumimoji="0" lang="de-DE" sz="1800" b="0" i="0" u="none" strike="noStrike" kern="1200" cap="none" spc="0" normalizeH="0" baseline="0" noProof="0" err="1">
+              <a:rPr kumimoji="0" lang="de-DE" sz="1800" b="0" i="0" u="none" strike="noStrike" kern="1200" cap="none" spc="0" normalizeH="0" baseline="0" noProof="0" dirty="0" err="1">
                 <a:ln>
                   <a:noFill/>
                 </a:ln>
@@ -36309,7 +36389,7 @@
               </a:rPr>
               <a:t>matching</a:t>
             </a:r>
-            <a:endParaRPr kumimoji="0" lang="de-DE" sz="1800" b="0" i="0" u="none" strike="noStrike" kern="1200" cap="none" spc="0" normalizeH="0" baseline="0" noProof="0">
+            <a:endParaRPr kumimoji="0" lang="de-DE" sz="1800" b="0" i="0" u="none" strike="noStrike" kern="1200" cap="none" spc="0" normalizeH="0" baseline="0" noProof="0" dirty="0">
               <a:ln>
                 <a:noFill/>
               </a:ln>
@@ -36345,7 +36425,7 @@
               <a:defRPr/>
             </a:pPr>
             <a:r>
-              <a:rPr kumimoji="0" lang="de-DE" sz="1800" b="0" i="0" u="none" strike="noStrike" kern="1200" cap="none" spc="0" normalizeH="0" baseline="0" noProof="0">
+              <a:rPr kumimoji="0" lang="de-DE" sz="1800" b="0" i="0" u="none" strike="noStrike" kern="1200" cap="none" spc="0" normalizeH="0" baseline="0" noProof="0" dirty="0">
                 <a:ln>
                   <a:noFill/>
                 </a:ln>
@@ -36362,7 +36442,7 @@
               <a:t>Upload </a:t>
             </a:r>
             <a:r>
-              <a:rPr kumimoji="0" lang="de-DE" sz="1800" b="0" i="0" u="none" strike="noStrike" kern="1200" cap="none" spc="0" normalizeH="0" baseline="0" noProof="0" err="1">
+              <a:rPr kumimoji="0" lang="de-DE" sz="1800" b="0" i="0" u="none" strike="noStrike" kern="1200" cap="none" spc="0" normalizeH="0" baseline="0" noProof="0" dirty="0" err="1">
                 <a:ln>
                   <a:noFill/>
                 </a:ln>
@@ -36379,7 +36459,7 @@
               <a:t>document</a:t>
             </a:r>
             <a:r>
-              <a:rPr kumimoji="0" lang="de-DE" sz="1800" b="0" i="0" u="none" strike="noStrike" kern="1200" cap="none" spc="0" normalizeH="0" baseline="0" noProof="0">
+              <a:rPr kumimoji="0" lang="de-DE" sz="1800" b="0" i="0" u="none" strike="noStrike" kern="1200" cap="none" spc="0" normalizeH="0" baseline="0" noProof="0" dirty="0">
                 <a:ln>
                   <a:noFill/>
                 </a:ln>
@@ -36396,7 +36476,7 @@
               <a:t> </a:t>
             </a:r>
             <a:r>
-              <a:rPr kumimoji="0" lang="de-DE" sz="1800" b="0" i="0" u="none" strike="noStrike" kern="1200" cap="none" spc="0" normalizeH="0" baseline="0" noProof="0" err="1">
+              <a:rPr kumimoji="0" lang="de-DE" sz="1800" b="0" i="0" u="none" strike="noStrike" kern="1200" cap="none" spc="0" normalizeH="0" baseline="0" noProof="0" dirty="0" err="1">
                 <a:ln>
                   <a:noFill/>
                 </a:ln>
@@ -36413,7 +36493,7 @@
               <a:t>through</a:t>
             </a:r>
             <a:r>
-              <a:rPr kumimoji="0" lang="de-DE" sz="1800" b="0" i="0" u="none" strike="noStrike" kern="1200" cap="none" spc="0" normalizeH="0" baseline="0" noProof="0">
+              <a:rPr kumimoji="0" lang="de-DE" sz="1800" b="0" i="0" u="none" strike="noStrike" kern="1200" cap="none" spc="0" normalizeH="0" baseline="0" noProof="0" dirty="0">
                 <a:ln>
                   <a:noFill/>
                 </a:ln>
@@ -36430,7 +36510,7 @@
               <a:t> Rest API </a:t>
             </a:r>
             <a:r>
-              <a:rPr kumimoji="0" lang="de-DE" sz="1800" b="0" i="0" u="none" strike="noStrike" kern="1200" cap="none" spc="0" normalizeH="0" baseline="0" noProof="0" err="1">
+              <a:rPr kumimoji="0" lang="de-DE" sz="1800" b="0" i="0" u="none" strike="noStrike" kern="1200" cap="none" spc="0" normalizeH="0" baseline="0" noProof="0" dirty="0" err="1">
                 <a:ln>
                   <a:noFill/>
                 </a:ln>
@@ -36447,7 +36527,7 @@
               <a:t>to</a:t>
             </a:r>
             <a:r>
-              <a:rPr kumimoji="0" lang="de-DE" sz="1800" b="0" i="0" u="none" strike="noStrike" kern="1200" cap="none" spc="0" normalizeH="0" baseline="0" noProof="0">
+              <a:rPr kumimoji="0" lang="de-DE" sz="1800" b="0" i="0" u="none" strike="noStrike" kern="1200" cap="none" spc="0" normalizeH="0" baseline="0" noProof="0" dirty="0">
                 <a:ln>
                   <a:noFill/>
                 </a:ln>
@@ -36464,7 +36544,7 @@
               <a:t> </a:t>
             </a:r>
             <a:r>
-              <a:rPr kumimoji="0" lang="de-DE" sz="1800" b="0" i="0" u="none" strike="noStrike" kern="1200" cap="none" spc="0" normalizeH="0" baseline="0" noProof="0" err="1">
+              <a:rPr kumimoji="0" lang="de-DE" sz="1800" b="0" i="0" u="none" strike="noStrike" kern="1200" cap="none" spc="0" normalizeH="0" baseline="0" noProof="0" dirty="0" err="1">
                 <a:ln>
                   <a:noFill/>
                 </a:ln>
@@ -36481,7 +36561,7 @@
               <a:t>enrich</a:t>
             </a:r>
             <a:r>
-              <a:rPr kumimoji="0" lang="de-DE" sz="1800" b="0" i="0" u="none" strike="noStrike" kern="1200" cap="none" spc="0" normalizeH="0" baseline="0" noProof="0">
+              <a:rPr kumimoji="0" lang="de-DE" sz="1800" b="0" i="0" u="none" strike="noStrike" kern="1200" cap="none" spc="0" normalizeH="0" baseline="0" noProof="0" dirty="0">
                 <a:ln>
                   <a:noFill/>
                 </a:ln>
@@ -36498,7 +36578,7 @@
               <a:t> </a:t>
             </a:r>
             <a:r>
-              <a:rPr kumimoji="0" lang="de-DE" sz="1800" b="0" i="0" u="none" strike="noStrike" kern="1200" cap="none" spc="0" normalizeH="0" baseline="0" noProof="0" err="1">
+              <a:rPr kumimoji="0" lang="de-DE" sz="1800" b="0" i="0" u="none" strike="noStrike" kern="1200" cap="none" spc="0" normalizeH="0" baseline="0" noProof="0" dirty="0" err="1">
                 <a:ln>
                   <a:noFill/>
                 </a:ln>
@@ -36515,7 +36595,7 @@
               <a:t>the</a:t>
             </a:r>
             <a:r>
-              <a:rPr kumimoji="0" lang="de-DE" sz="1800" b="0" i="0" u="none" strike="noStrike" kern="1200" cap="none" spc="0" normalizeH="0" baseline="0" noProof="0">
+              <a:rPr kumimoji="0" lang="de-DE" sz="1800" b="0" i="0" u="none" strike="noStrike" kern="1200" cap="none" spc="0" normalizeH="0" baseline="0" noProof="0" dirty="0">
                 <a:ln>
                   <a:noFill/>
                 </a:ln>
@@ -36532,7 +36612,7 @@
               <a:t> </a:t>
             </a:r>
             <a:r>
-              <a:rPr kumimoji="0" lang="de-DE" sz="1800" b="0" i="0" u="none" strike="noStrike" kern="1200" cap="none" spc="0" normalizeH="0" baseline="0" noProof="0" err="1">
+              <a:rPr kumimoji="0" lang="de-DE" sz="1800" b="0" i="0" u="none" strike="noStrike" kern="1200" cap="none" spc="0" normalizeH="0" baseline="0" noProof="0" dirty="0" err="1">
                 <a:ln>
                   <a:noFill/>
                 </a:ln>
@@ -36549,7 +36629,7 @@
               <a:t>extraction</a:t>
             </a:r>
             <a:r>
-              <a:rPr kumimoji="0" lang="de-DE" sz="1800" b="0" i="0" u="none" strike="noStrike" kern="1200" cap="none" spc="0" normalizeH="0" baseline="0" noProof="0">
+              <a:rPr kumimoji="0" lang="de-DE" sz="1800" b="0" i="0" u="none" strike="noStrike" kern="1200" cap="none" spc="0" normalizeH="0" baseline="0" noProof="0" dirty="0">
                 <a:ln>
                   <a:noFill/>
                 </a:ln>
@@ -36566,7 +36646,7 @@
               <a:t> </a:t>
             </a:r>
             <a:r>
-              <a:rPr kumimoji="0" lang="de-DE" sz="1800" b="0" i="0" u="none" strike="noStrike" kern="1200" cap="none" spc="0" normalizeH="0" baseline="0" noProof="0" err="1">
+              <a:rPr kumimoji="0" lang="de-DE" sz="1800" b="0" i="0" u="none" strike="noStrike" kern="1200" cap="none" spc="0" normalizeH="0" baseline="0" noProof="0" dirty="0" err="1">
                 <a:ln>
                   <a:noFill/>
                 </a:ln>
@@ -36583,7 +36663,7 @@
               <a:t>results</a:t>
             </a:r>
             <a:r>
-              <a:rPr kumimoji="0" lang="de-DE" sz="1800" b="0" i="0" u="none" strike="noStrike" kern="1200" cap="none" spc="0" normalizeH="0" baseline="0" noProof="0">
+              <a:rPr kumimoji="0" lang="de-DE" sz="1800" b="0" i="0" u="none" strike="noStrike" kern="1200" cap="none" spc="0" normalizeH="0" baseline="0" noProof="0" dirty="0">
                 <a:ln>
                   <a:noFill/>
                 </a:ln>
@@ -36600,7 +36680,7 @@
               <a:t> </a:t>
             </a:r>
             <a:r>
-              <a:rPr kumimoji="0" lang="de-DE" sz="1800" b="0" i="0" u="none" strike="noStrike" kern="1200" cap="none" spc="0" normalizeH="0" baseline="0" noProof="0" err="1">
+              <a:rPr kumimoji="0" lang="de-DE" sz="1800" b="0" i="0" u="none" strike="noStrike" kern="1200" cap="none" spc="0" normalizeH="0" baseline="0" noProof="0" dirty="0" err="1">
                 <a:ln>
                   <a:noFill/>
                 </a:ln>
@@ -36617,7 +36697,7 @@
               <a:t>with</a:t>
             </a:r>
             <a:r>
-              <a:rPr kumimoji="0" lang="de-DE" sz="1800" b="0" i="0" u="none" strike="noStrike" kern="1200" cap="none" spc="0" normalizeH="0" baseline="0" noProof="0">
+              <a:rPr kumimoji="0" lang="de-DE" sz="1800" b="0" i="0" u="none" strike="noStrike" kern="1200" cap="none" spc="0" normalizeH="0" baseline="0" noProof="0" dirty="0">
                 <a:ln>
                   <a:noFill/>
                 </a:ln>
@@ -36634,7 +36714,7 @@
               <a:t> </a:t>
             </a:r>
             <a:r>
-              <a:rPr kumimoji="0" lang="de-DE" sz="1800" b="0" i="0" u="none" strike="noStrike" kern="1200" cap="none" spc="0" normalizeH="0" baseline="0" noProof="0" err="1">
+              <a:rPr kumimoji="0" lang="de-DE" sz="1800" b="0" i="0" u="none" strike="noStrike" kern="1200" cap="none" spc="0" normalizeH="0" baseline="0" noProof="0" dirty="0" err="1">
                 <a:ln>
                   <a:noFill/>
                 </a:ln>
@@ -36651,7 +36731,7 @@
               <a:t>supplier</a:t>
             </a:r>
             <a:r>
-              <a:rPr kumimoji="0" lang="de-DE" sz="1800" b="0" i="0" u="none" strike="noStrike" kern="1200" cap="none" spc="0" normalizeH="0" baseline="0" noProof="0">
+              <a:rPr kumimoji="0" lang="de-DE" sz="1800" b="0" i="0" u="none" strike="noStrike" kern="1200" cap="none" spc="0" normalizeH="0" baseline="0" noProof="0" dirty="0">
                 <a:ln>
                   <a:noFill/>
                 </a:ln>
@@ -36668,7 +36748,7 @@
               <a:t> </a:t>
             </a:r>
             <a:r>
-              <a:rPr kumimoji="0" lang="de-DE" sz="1800" b="0" i="0" u="none" strike="noStrike" kern="1200" cap="none" spc="0" normalizeH="0" baseline="0" noProof="0" err="1">
+              <a:rPr kumimoji="0" lang="de-DE" sz="1800" b="0" i="0" u="none" strike="noStrike" kern="1200" cap="none" spc="0" normalizeH="0" baseline="0" noProof="0" dirty="0" err="1">
                 <a:ln>
                   <a:noFill/>
                 </a:ln>
@@ -36684,7 +36764,7 @@
               </a:rPr>
               <a:t>data</a:t>
             </a:r>
-            <a:endParaRPr kumimoji="0" lang="de-DE" sz="1800" b="0" i="0" u="none" strike="noStrike" kern="1200" cap="none" spc="0" normalizeH="0" baseline="0" noProof="0">
+            <a:endParaRPr kumimoji="0" lang="de-DE" sz="1800" b="0" i="0" u="none" strike="noStrike" kern="1200" cap="none" spc="0" normalizeH="0" baseline="0" noProof="0" dirty="0">
               <a:ln>
                 <a:noFill/>
               </a:ln>
@@ -36718,7 +36798,7 @@
               <a:defRPr/>
             </a:pPr>
             <a:r>
-              <a:rPr kumimoji="0" lang="de-DE" sz="2400" b="0" i="0" u="none" strike="noStrike" kern="1200" cap="none" spc="0" normalizeH="0" baseline="0" noProof="0" err="1">
+              <a:rPr kumimoji="0" lang="de-DE" sz="2400" b="0" i="0" u="none" strike="noStrike" kern="1200" cap="none" spc="0" normalizeH="0" baseline="0" noProof="0" dirty="0" err="1">
                 <a:ln>
                   <a:noFill/>
                 </a:ln>
@@ -36734,7 +36814,7 @@
               </a:rPr>
               <a:t>Questions</a:t>
             </a:r>
-            <a:endParaRPr kumimoji="0" lang="de-DE" sz="2400" b="0" i="0" u="none" strike="noStrike" kern="1200" cap="none" spc="0" normalizeH="0" baseline="0" noProof="0">
+            <a:endParaRPr kumimoji="0" lang="de-DE" sz="2400" b="0" i="0" u="none" strike="noStrike" kern="1200" cap="none" spc="0" normalizeH="0" baseline="0" noProof="0" dirty="0">
               <a:ln>
                 <a:noFill/>
               </a:ln>
@@ -38014,6 +38094,12 @@
 </file>
 
 <file path=customXml/item1.xml><?xml version="1.0" encoding="utf-8"?>
+<p:properties xmlns:p="http://schemas.microsoft.com/office/2006/metadata/properties" xmlns:xsi="http://www.w3.org/2001/XMLSchema-instance" xmlns:pc="http://schemas.microsoft.com/office/infopath/2007/PartnerControls">
+  <documentManagement/>
+</p:properties>
+</file>
+
+<file path=customXml/item2.xml><?xml version="1.0" encoding="utf-8"?>
 <?mso-contentType ?>
 <FormTemplates xmlns="http://schemas.microsoft.com/sharepoint/v3/contenttype/forms">
   <Display>DocumentLibraryForm</Display>
@@ -38022,7 +38108,7 @@
 </FormTemplates>
 </file>
 
-<file path=customXml/item2.xml><?xml version="1.0" encoding="utf-8"?>
+<file path=customXml/item3.xml><?xml version="1.0" encoding="utf-8"?>
 <ct:contentTypeSchema xmlns:ct="http://schemas.microsoft.com/office/2006/metadata/contentType" xmlns:ma="http://schemas.microsoft.com/office/2006/metadata/properties/metaAttributes" ct:_="" ma:_="" ma:contentTypeName="Document" ma:contentTypeID="0x010100CA2FD6F1506F564BB79A97F9C245AD34" ma:contentTypeVersion="11" ma:contentTypeDescription="Create a new document." ma:contentTypeScope="" ma:versionID="0a83ea2fe68d10f5cf339c90fd4663b6">
   <xsd:schema xmlns:xsd="http://www.w3.org/2001/XMLSchema" xmlns:xs="http://www.w3.org/2001/XMLSchema" xmlns:p="http://schemas.microsoft.com/office/2006/metadata/properties" xmlns:ns3="025efd7d-4e1d-49ec-b269-b81537660960" xmlns:ns4="386f4720-9db4-4950-8ffd-cd1ef4b846d5" targetNamespace="http://schemas.microsoft.com/office/2006/metadata/properties" ma:root="true" ma:fieldsID="4c61b2884b4d0fdea4c44939f6b2c6cb" ns3:_="" ns4:_="">
     <xsd:import namespace="025efd7d-4e1d-49ec-b269-b81537660960"/>
@@ -38233,13 +38319,24 @@
 </ct:contentTypeSchema>
 </file>
 
-<file path=customXml/item3.xml><?xml version="1.0" encoding="utf-8"?>
-<p:properties xmlns:p="http://schemas.microsoft.com/office/2006/metadata/properties" xmlns:xsi="http://www.w3.org/2001/XMLSchema-instance" xmlns:pc="http://schemas.microsoft.com/office/infopath/2007/PartnerControls">
-  <documentManagement/>
-</p:properties>
+<file path=customXml/itemProps1.xml><?xml version="1.0" encoding="utf-8"?>
+<ds:datastoreItem xmlns:ds="http://schemas.openxmlformats.org/officeDocument/2006/customXml" ds:itemID="{B5A61EA0-C632-450D-8732-FBE1B6CC6F01}">
+  <ds:schemaRefs>
+    <ds:schemaRef ds:uri="http://purl.org/dc/elements/1.1/"/>
+    <ds:schemaRef ds:uri="http://purl.org/dc/dcmitype/"/>
+    <ds:schemaRef ds:uri="http://schemas.microsoft.com/office/2006/metadata/properties"/>
+    <ds:schemaRef ds:uri="http://www.w3.org/XML/1998/namespace"/>
+    <ds:schemaRef ds:uri="http://purl.org/dc/terms/"/>
+    <ds:schemaRef ds:uri="http://schemas.microsoft.com/office/2006/documentManagement/types"/>
+    <ds:schemaRef ds:uri="http://schemas.microsoft.com/office/infopath/2007/PartnerControls"/>
+    <ds:schemaRef ds:uri="http://schemas.openxmlformats.org/package/2006/metadata/core-properties"/>
+    <ds:schemaRef ds:uri="386f4720-9db4-4950-8ffd-cd1ef4b846d5"/>
+    <ds:schemaRef ds:uri="025efd7d-4e1d-49ec-b269-b81537660960"/>
+  </ds:schemaRefs>
+</ds:datastoreItem>
 </file>
 
-<file path=customXml/itemProps1.xml><?xml version="1.0" encoding="utf-8"?>
+<file path=customXml/itemProps2.xml><?xml version="1.0" encoding="utf-8"?>
 <ds:datastoreItem xmlns:ds="http://schemas.openxmlformats.org/officeDocument/2006/customXml" ds:itemID="{2DA81D51-CB8B-4E00-A304-5985D65D0CEC}">
   <ds:schemaRefs>
     <ds:schemaRef ds:uri="http://schemas.microsoft.com/sharepoint/v3/contenttype/forms"/>
@@ -38247,7 +38344,7 @@
 </ds:datastoreItem>
 </file>
 
-<file path=customXml/itemProps2.xml><?xml version="1.0" encoding="utf-8"?>
+<file path=customXml/itemProps3.xml><?xml version="1.0" encoding="utf-8"?>
 <ds:datastoreItem xmlns:ds="http://schemas.openxmlformats.org/officeDocument/2006/customXml" ds:itemID="{DAEE7035-224B-41FF-AFD4-E799CA350EEB}">
   <ds:schemaRefs>
     <ds:schemaRef ds:uri="http://schemas.microsoft.com/office/2006/metadata/contentType"/>
@@ -38264,21 +38361,4 @@
     <ds:schemaRef ds:uri="http://schemas.microsoft.com/internal/obd"/>
   </ds:schemaRefs>
 </ds:datastoreItem>
-</file>
-
-<file path=customXml/itemProps3.xml><?xml version="1.0" encoding="utf-8"?>
-<ds:datastoreItem xmlns:ds="http://schemas.openxmlformats.org/officeDocument/2006/customXml" ds:itemID="{B5A61EA0-C632-450D-8732-FBE1B6CC6F01}">
-  <ds:schemaRefs>
-    <ds:schemaRef ds:uri="http://purl.org/dc/elements/1.1/"/>
-    <ds:schemaRef ds:uri="http://purl.org/dc/dcmitype/"/>
-    <ds:schemaRef ds:uri="http://schemas.microsoft.com/office/2006/metadata/properties"/>
-    <ds:schemaRef ds:uri="http://www.w3.org/XML/1998/namespace"/>
-    <ds:schemaRef ds:uri="http://purl.org/dc/terms/"/>
-    <ds:schemaRef ds:uri="http://schemas.microsoft.com/office/2006/documentManagement/types"/>
-    <ds:schemaRef ds:uri="http://schemas.microsoft.com/office/infopath/2007/PartnerControls"/>
-    <ds:schemaRef ds:uri="http://schemas.openxmlformats.org/package/2006/metadata/core-properties"/>
-    <ds:schemaRef ds:uri="386f4720-9db4-4950-8ffd-cd1ef4b846d5"/>
-    <ds:schemaRef ds:uri="025efd7d-4e1d-49ec-b269-b81537660960"/>
-  </ds:schemaRefs>
-</ds:datastoreItem>
 </file>